--- a/技术架构概述.pptx
+++ b/技术架构概述.pptx
@@ -5,7 +5,7 @@
     <p:sldMasterId id="2147483648" r:id="rId1"/>
   </p:sldMasterIdLst>
   <p:notesMasterIdLst>
-    <p:notesMasterId r:id="rId9"/>
+    <p:notesMasterId r:id="rId8"/>
   </p:notesMasterIdLst>
   <p:sldIdLst>
     <p:sldId id="256" r:id="rId2"/>
@@ -14,7 +14,6 @@
     <p:sldId id="263" r:id="rId5"/>
     <p:sldId id="262" r:id="rId6"/>
     <p:sldId id="260" r:id="rId7"/>
-    <p:sldId id="261" r:id="rId8"/>
   </p:sldIdLst>
   <p:sldSz cx="9144000" cy="6858000" type="screen4x3"/>
   <p:notesSz cx="6858000" cy="9144000"/>
@@ -198,7 +197,7 @@
           <a:p>
             <a:fld id="{712743D0-5F33-43D6-ACF0-2820F98ECF4F}" type="datetimeFigureOut">
               <a:rPr lang="zh-CN" altLang="en-US" smtClean="0"/>
-              <a:t>2014/4/20</a:t>
+              <a:t>2014/4/21</a:t>
             </a:fld>
             <a:endParaRPr lang="zh-CN" altLang="en-US"/>
           </a:p>
@@ -965,7 +964,7 @@
           <a:p>
             <a:fld id="{6DA954F4-F0A6-4956-B52C-1E80E0B1E41B}" type="datetimeFigureOut">
               <a:rPr lang="zh-CN" altLang="en-US" smtClean="0"/>
-              <a:t>2014/4/20</a:t>
+              <a:t>2014/4/21</a:t>
             </a:fld>
             <a:endParaRPr lang="zh-CN" altLang="en-US"/>
           </a:p>
@@ -1135,7 +1134,7 @@
           <a:p>
             <a:fld id="{6DA954F4-F0A6-4956-B52C-1E80E0B1E41B}" type="datetimeFigureOut">
               <a:rPr lang="zh-CN" altLang="en-US" smtClean="0"/>
-              <a:t>2014/4/20</a:t>
+              <a:t>2014/4/21</a:t>
             </a:fld>
             <a:endParaRPr lang="zh-CN" altLang="en-US"/>
           </a:p>
@@ -1315,7 +1314,7 @@
           <a:p>
             <a:fld id="{6DA954F4-F0A6-4956-B52C-1E80E0B1E41B}" type="datetimeFigureOut">
               <a:rPr lang="zh-CN" altLang="en-US" smtClean="0"/>
-              <a:t>2014/4/20</a:t>
+              <a:t>2014/4/21</a:t>
             </a:fld>
             <a:endParaRPr lang="zh-CN" altLang="en-US"/>
           </a:p>
@@ -1485,7 +1484,7 @@
           <a:p>
             <a:fld id="{6DA954F4-F0A6-4956-B52C-1E80E0B1E41B}" type="datetimeFigureOut">
               <a:rPr lang="zh-CN" altLang="en-US" smtClean="0"/>
-              <a:t>2014/4/20</a:t>
+              <a:t>2014/4/21</a:t>
             </a:fld>
             <a:endParaRPr lang="zh-CN" altLang="en-US"/>
           </a:p>
@@ -1731,7 +1730,7 @@
           <a:p>
             <a:fld id="{6DA954F4-F0A6-4956-B52C-1E80E0B1E41B}" type="datetimeFigureOut">
               <a:rPr lang="zh-CN" altLang="en-US" smtClean="0"/>
-              <a:t>2014/4/20</a:t>
+              <a:t>2014/4/21</a:t>
             </a:fld>
             <a:endParaRPr lang="zh-CN" altLang="en-US"/>
           </a:p>
@@ -2019,7 +2018,7 @@
           <a:p>
             <a:fld id="{6DA954F4-F0A6-4956-B52C-1E80E0B1E41B}" type="datetimeFigureOut">
               <a:rPr lang="zh-CN" altLang="en-US" smtClean="0"/>
-              <a:t>2014/4/20</a:t>
+              <a:t>2014/4/21</a:t>
             </a:fld>
             <a:endParaRPr lang="zh-CN" altLang="en-US"/>
           </a:p>
@@ -2441,7 +2440,7 @@
           <a:p>
             <a:fld id="{6DA954F4-F0A6-4956-B52C-1E80E0B1E41B}" type="datetimeFigureOut">
               <a:rPr lang="zh-CN" altLang="en-US" smtClean="0"/>
-              <a:t>2014/4/20</a:t>
+              <a:t>2014/4/21</a:t>
             </a:fld>
             <a:endParaRPr lang="zh-CN" altLang="en-US"/>
           </a:p>
@@ -2559,7 +2558,7 @@
           <a:p>
             <a:fld id="{6DA954F4-F0A6-4956-B52C-1E80E0B1E41B}" type="datetimeFigureOut">
               <a:rPr lang="zh-CN" altLang="en-US" smtClean="0"/>
-              <a:t>2014/4/20</a:t>
+              <a:t>2014/4/21</a:t>
             </a:fld>
             <a:endParaRPr lang="zh-CN" altLang="en-US"/>
           </a:p>
@@ -2654,7 +2653,7 @@
           <a:p>
             <a:fld id="{6DA954F4-F0A6-4956-B52C-1E80E0B1E41B}" type="datetimeFigureOut">
               <a:rPr lang="zh-CN" altLang="en-US" smtClean="0"/>
-              <a:t>2014/4/20</a:t>
+              <a:t>2014/4/21</a:t>
             </a:fld>
             <a:endParaRPr lang="zh-CN" altLang="en-US"/>
           </a:p>
@@ -2931,7 +2930,7 @@
           <a:p>
             <a:fld id="{6DA954F4-F0A6-4956-B52C-1E80E0B1E41B}" type="datetimeFigureOut">
               <a:rPr lang="zh-CN" altLang="en-US" smtClean="0"/>
-              <a:t>2014/4/20</a:t>
+              <a:t>2014/4/21</a:t>
             </a:fld>
             <a:endParaRPr lang="zh-CN" altLang="en-US"/>
           </a:p>
@@ -3184,7 +3183,7 @@
           <a:p>
             <a:fld id="{6DA954F4-F0A6-4956-B52C-1E80E0B1E41B}" type="datetimeFigureOut">
               <a:rPr lang="zh-CN" altLang="en-US" smtClean="0"/>
-              <a:t>2014/4/20</a:t>
+              <a:t>2014/4/21</a:t>
             </a:fld>
             <a:endParaRPr lang="zh-CN" altLang="en-US"/>
           </a:p>
@@ -3397,7 +3396,7 @@
           <a:p>
             <a:fld id="{6DA954F4-F0A6-4956-B52C-1E80E0B1E41B}" type="datetimeFigureOut">
               <a:rPr lang="zh-CN" altLang="en-US" smtClean="0"/>
-              <a:t>2014/4/20</a:t>
+              <a:t>2014/4/21</a:t>
             </a:fld>
             <a:endParaRPr lang="zh-CN" altLang="en-US"/>
           </a:p>
@@ -4903,12 +4902,20 @@
           <a:p>
             <a:pPr algn="ctr"/>
             <a:r>
+              <a:rPr lang="zh-CN" altLang="en-US" dirty="0">
+                <a:solidFill>
+                  <a:schemeClr val="tx1"/>
+                </a:solidFill>
+              </a:rPr>
+              <a:t>支付</a:t>
+            </a:r>
+            <a:r>
               <a:rPr lang="zh-CN" altLang="en-US" dirty="0" smtClean="0">
                 <a:solidFill>
                   <a:schemeClr val="tx1"/>
                 </a:solidFill>
               </a:rPr>
-              <a:t>统一认证服务</a:t>
+              <a:t>服务</a:t>
             </a:r>
             <a:endParaRPr lang="zh-CN" altLang="en-US" dirty="0">
               <a:solidFill>
@@ -5845,7 +5852,7 @@
       </p:sp>
       <p:pic>
         <p:nvPicPr>
-          <p:cNvPr id="1026" name="Picture 2"/>
+          <p:cNvPr id="3" name="Picture 2"/>
           <p:cNvPicPr>
             <a:picLocks noChangeAspect="1" noChangeArrowheads="1"/>
           </p:cNvPicPr>
@@ -5866,8 +5873,8 @@
         </p:blipFill>
         <p:spPr bwMode="auto">
           <a:xfrm>
-            <a:off x="448732" y="1412776"/>
-            <a:ext cx="8299732" cy="5256584"/>
+            <a:off x="179512" y="1268760"/>
+            <a:ext cx="8810275" cy="5400600"/>
           </a:xfrm>
           <a:prstGeom prst="rect">
             <a:avLst/>
@@ -5911,119 +5918,6 @@
     <p:extLst>
       <p:ext uri="{BB962C8B-B14F-4D97-AF65-F5344CB8AC3E}">
         <p14:creationId xmlns:p14="http://schemas.microsoft.com/office/powerpoint/2010/main" val="1471047956"/>
-      </p:ext>
-    </p:extLst>
-  </p:cSld>
-  <p:clrMapOvr>
-    <a:masterClrMapping/>
-  </p:clrMapOvr>
-  <p:timing>
-    <p:tnLst>
-      <p:par>
-        <p:cTn id="1" dur="indefinite" restart="never" nodeType="tmRoot"/>
-      </p:par>
-    </p:tnLst>
-  </p:timing>
-</p:sld>
-</file>
-
-<file path=ppt/slides/slide7.xml><?xml version="1.0" encoding="utf-8"?>
-<p:sld xmlns:a="http://schemas.openxmlformats.org/drawingml/2006/main" xmlns:r="http://schemas.openxmlformats.org/officeDocument/2006/relationships" xmlns:p="http://schemas.openxmlformats.org/presentationml/2006/main">
-  <p:cSld>
-    <p:spTree>
-      <p:nvGrpSpPr>
-        <p:cNvPr id="1" name=""/>
-        <p:cNvGrpSpPr/>
-        <p:nvPr/>
-      </p:nvGrpSpPr>
-      <p:grpSpPr>
-        <a:xfrm>
-          <a:off x="0" y="0"/>
-          <a:ext cx="0" cy="0"/>
-          <a:chOff x="0" y="0"/>
-          <a:chExt cx="0" cy="0"/>
-        </a:xfrm>
-      </p:grpSpPr>
-      <p:sp>
-        <p:nvSpPr>
-          <p:cNvPr id="2" name="标题 1"/>
-          <p:cNvSpPr>
-            <a:spLocks noGrp="1"/>
-          </p:cNvSpPr>
-          <p:nvPr>
-            <p:ph type="title"/>
-          </p:nvPr>
-        </p:nvSpPr>
-        <p:spPr/>
-        <p:txBody>
-          <a:bodyPr/>
-          <a:lstStyle/>
-          <a:p>
-            <a:r>
-              <a:rPr lang="zh-CN" altLang="en-US" dirty="0"/>
-              <a:t>软件技术架构</a:t>
-            </a:r>
-          </a:p>
-        </p:txBody>
-      </p:sp>
-      <p:pic>
-        <p:nvPicPr>
-          <p:cNvPr id="2050" name="图片框 1027"/>
-          <p:cNvPicPr>
-            <a:picLocks noChangeAspect="1" noChangeArrowheads="1"/>
-          </p:cNvPicPr>
-          <p:nvPr/>
-        </p:nvPicPr>
-        <p:blipFill>
-          <a:blip r:embed="rId2">
-            <a:extLst>
-              <a:ext uri="{28A0092B-C50C-407E-A947-70E740481C1C}">
-                <a14:useLocalDpi xmlns:a14="http://schemas.microsoft.com/office/drawing/2010/main" val="0"/>
-              </a:ext>
-            </a:extLst>
-          </a:blip>
-          <a:srcRect/>
-          <a:stretch>
-            <a:fillRect/>
-          </a:stretch>
-        </p:blipFill>
-        <p:spPr bwMode="auto">
-          <a:xfrm>
-            <a:off x="611560" y="1340768"/>
-            <a:ext cx="8064896" cy="5328592"/>
-          </a:xfrm>
-          <a:prstGeom prst="rect">
-            <a:avLst/>
-          </a:prstGeom>
-          <a:noFill/>
-          <a:ln>
-            <a:noFill/>
-          </a:ln>
-          <a:extLst>
-            <a:ext uri="{909E8E84-426E-40DD-AFC4-6F175D3DCCD1}">
-              <a14:hiddenFill xmlns:a14="http://schemas.microsoft.com/office/drawing/2010/main">
-                <a:solidFill>
-                  <a:srgbClr val="FFFFFF"/>
-                </a:solidFill>
-              </a14:hiddenFill>
-            </a:ext>
-            <a:ext uri="{91240B29-F687-4F45-9708-019B960494DF}">
-              <a14:hiddenLine xmlns:a14="http://schemas.microsoft.com/office/drawing/2010/main" w="9525">
-                <a:solidFill>
-                  <a:srgbClr val="000000"/>
-                </a:solidFill>
-                <a:miter lim="800000"/>
-                <a:headEnd/>
-                <a:tailEnd/>
-              </a14:hiddenLine>
-            </a:ext>
-          </a:extLst>
-        </p:spPr>
-      </p:pic>
-    </p:spTree>
-    <p:extLst>
-      <p:ext uri="{BB962C8B-B14F-4D97-AF65-F5344CB8AC3E}">
-        <p14:creationId xmlns:p14="http://schemas.microsoft.com/office/powerpoint/2010/main" val="824951223"/>
       </p:ext>
     </p:extLst>
   </p:cSld>

--- a/技术架构概述.pptx
+++ b/技术架构概述.pptx
@@ -5,7 +5,7 @@
     <p:sldMasterId id="2147483648" r:id="rId1"/>
   </p:sldMasterIdLst>
   <p:notesMasterIdLst>
-    <p:notesMasterId r:id="rId8"/>
+    <p:notesMasterId r:id="rId11"/>
   </p:notesMasterIdLst>
   <p:sldIdLst>
     <p:sldId id="256" r:id="rId2"/>
@@ -14,6 +14,9 @@
     <p:sldId id="263" r:id="rId5"/>
     <p:sldId id="262" r:id="rId6"/>
     <p:sldId id="260" r:id="rId7"/>
+    <p:sldId id="266" r:id="rId8"/>
+    <p:sldId id="265" r:id="rId9"/>
+    <p:sldId id="264" r:id="rId10"/>
   </p:sldIdLst>
   <p:sldSz cx="9144000" cy="6858000" type="screen4x3"/>
   <p:notesSz cx="6858000" cy="9144000"/>
@@ -197,7 +200,7 @@
           <a:p>
             <a:fld id="{712743D0-5F33-43D6-ACF0-2820F98ECF4F}" type="datetimeFigureOut">
               <a:rPr lang="zh-CN" altLang="en-US" smtClean="0"/>
-              <a:t>2014/4/21</a:t>
+              <a:t>2014/4/22</a:t>
             </a:fld>
             <a:endParaRPr lang="zh-CN" altLang="en-US"/>
           </a:p>
@@ -964,7 +967,7 @@
           <a:p>
             <a:fld id="{6DA954F4-F0A6-4956-B52C-1E80E0B1E41B}" type="datetimeFigureOut">
               <a:rPr lang="zh-CN" altLang="en-US" smtClean="0"/>
-              <a:t>2014/4/21</a:t>
+              <a:t>2014/4/22</a:t>
             </a:fld>
             <a:endParaRPr lang="zh-CN" altLang="en-US"/>
           </a:p>
@@ -1134,7 +1137,7 @@
           <a:p>
             <a:fld id="{6DA954F4-F0A6-4956-B52C-1E80E0B1E41B}" type="datetimeFigureOut">
               <a:rPr lang="zh-CN" altLang="en-US" smtClean="0"/>
-              <a:t>2014/4/21</a:t>
+              <a:t>2014/4/22</a:t>
             </a:fld>
             <a:endParaRPr lang="zh-CN" altLang="en-US"/>
           </a:p>
@@ -1314,7 +1317,7 @@
           <a:p>
             <a:fld id="{6DA954F4-F0A6-4956-B52C-1E80E0B1E41B}" type="datetimeFigureOut">
               <a:rPr lang="zh-CN" altLang="en-US" smtClean="0"/>
-              <a:t>2014/4/21</a:t>
+              <a:t>2014/4/22</a:t>
             </a:fld>
             <a:endParaRPr lang="zh-CN" altLang="en-US"/>
           </a:p>
@@ -1484,7 +1487,7 @@
           <a:p>
             <a:fld id="{6DA954F4-F0A6-4956-B52C-1E80E0B1E41B}" type="datetimeFigureOut">
               <a:rPr lang="zh-CN" altLang="en-US" smtClean="0"/>
-              <a:t>2014/4/21</a:t>
+              <a:t>2014/4/22</a:t>
             </a:fld>
             <a:endParaRPr lang="zh-CN" altLang="en-US"/>
           </a:p>
@@ -1730,7 +1733,7 @@
           <a:p>
             <a:fld id="{6DA954F4-F0A6-4956-B52C-1E80E0B1E41B}" type="datetimeFigureOut">
               <a:rPr lang="zh-CN" altLang="en-US" smtClean="0"/>
-              <a:t>2014/4/21</a:t>
+              <a:t>2014/4/22</a:t>
             </a:fld>
             <a:endParaRPr lang="zh-CN" altLang="en-US"/>
           </a:p>
@@ -2018,7 +2021,7 @@
           <a:p>
             <a:fld id="{6DA954F4-F0A6-4956-B52C-1E80E0B1E41B}" type="datetimeFigureOut">
               <a:rPr lang="zh-CN" altLang="en-US" smtClean="0"/>
-              <a:t>2014/4/21</a:t>
+              <a:t>2014/4/22</a:t>
             </a:fld>
             <a:endParaRPr lang="zh-CN" altLang="en-US"/>
           </a:p>
@@ -2440,7 +2443,7 @@
           <a:p>
             <a:fld id="{6DA954F4-F0A6-4956-B52C-1E80E0B1E41B}" type="datetimeFigureOut">
               <a:rPr lang="zh-CN" altLang="en-US" smtClean="0"/>
-              <a:t>2014/4/21</a:t>
+              <a:t>2014/4/22</a:t>
             </a:fld>
             <a:endParaRPr lang="zh-CN" altLang="en-US"/>
           </a:p>
@@ -2558,7 +2561,7 @@
           <a:p>
             <a:fld id="{6DA954F4-F0A6-4956-B52C-1E80E0B1E41B}" type="datetimeFigureOut">
               <a:rPr lang="zh-CN" altLang="en-US" smtClean="0"/>
-              <a:t>2014/4/21</a:t>
+              <a:t>2014/4/22</a:t>
             </a:fld>
             <a:endParaRPr lang="zh-CN" altLang="en-US"/>
           </a:p>
@@ -2653,7 +2656,7 @@
           <a:p>
             <a:fld id="{6DA954F4-F0A6-4956-B52C-1E80E0B1E41B}" type="datetimeFigureOut">
               <a:rPr lang="zh-CN" altLang="en-US" smtClean="0"/>
-              <a:t>2014/4/21</a:t>
+              <a:t>2014/4/22</a:t>
             </a:fld>
             <a:endParaRPr lang="zh-CN" altLang="en-US"/>
           </a:p>
@@ -2930,7 +2933,7 @@
           <a:p>
             <a:fld id="{6DA954F4-F0A6-4956-B52C-1E80E0B1E41B}" type="datetimeFigureOut">
               <a:rPr lang="zh-CN" altLang="en-US" smtClean="0"/>
-              <a:t>2014/4/21</a:t>
+              <a:t>2014/4/22</a:t>
             </a:fld>
             <a:endParaRPr lang="zh-CN" altLang="en-US"/>
           </a:p>
@@ -3183,7 +3186,7 @@
           <a:p>
             <a:fld id="{6DA954F4-F0A6-4956-B52C-1E80E0B1E41B}" type="datetimeFigureOut">
               <a:rPr lang="zh-CN" altLang="en-US" smtClean="0"/>
-              <a:t>2014/4/21</a:t>
+              <a:t>2014/4/22</a:t>
             </a:fld>
             <a:endParaRPr lang="zh-CN" altLang="en-US"/>
           </a:p>
@@ -3396,7 +3399,7 @@
           <a:p>
             <a:fld id="{6DA954F4-F0A6-4956-B52C-1E80E0B1E41B}" type="datetimeFigureOut">
               <a:rPr lang="zh-CN" altLang="en-US" smtClean="0"/>
-              <a:t>2014/4/21</a:t>
+              <a:t>2014/4/22</a:t>
             </a:fld>
             <a:endParaRPr lang="zh-CN" altLang="en-US"/>
           </a:p>
@@ -5918,6 +5921,295 @@
     <p:extLst>
       <p:ext uri="{BB962C8B-B14F-4D97-AF65-F5344CB8AC3E}">
         <p14:creationId xmlns:p14="http://schemas.microsoft.com/office/powerpoint/2010/main" val="1471047956"/>
+      </p:ext>
+    </p:extLst>
+  </p:cSld>
+  <p:clrMapOvr>
+    <a:masterClrMapping/>
+  </p:clrMapOvr>
+  <p:timing>
+    <p:tnLst>
+      <p:par>
+        <p:cTn id="1" dur="indefinite" restart="never" nodeType="tmRoot"/>
+      </p:par>
+    </p:tnLst>
+  </p:timing>
+</p:sld>
+</file>
+
+<file path=ppt/slides/slide7.xml><?xml version="1.0" encoding="utf-8"?>
+<p:sld xmlns:a="http://schemas.openxmlformats.org/drawingml/2006/main" xmlns:r="http://schemas.openxmlformats.org/officeDocument/2006/relationships" xmlns:p="http://schemas.openxmlformats.org/presentationml/2006/main">
+  <p:cSld>
+    <p:spTree>
+      <p:nvGrpSpPr>
+        <p:cNvPr id="1" name=""/>
+        <p:cNvGrpSpPr/>
+        <p:nvPr/>
+      </p:nvGrpSpPr>
+      <p:grpSpPr>
+        <a:xfrm>
+          <a:off x="0" y="0"/>
+          <a:ext cx="0" cy="0"/>
+          <a:chOff x="0" y="0"/>
+          <a:chExt cx="0" cy="0"/>
+        </a:xfrm>
+      </p:grpSpPr>
+      <p:pic>
+        <p:nvPicPr>
+          <p:cNvPr id="2050" name="Picture 2"/>
+          <p:cNvPicPr>
+            <a:picLocks noChangeAspect="1" noChangeArrowheads="1"/>
+          </p:cNvPicPr>
+          <p:nvPr/>
+        </p:nvPicPr>
+        <p:blipFill>
+          <a:blip r:embed="rId2">
+            <a:extLst>
+              <a:ext uri="{28A0092B-C50C-407E-A947-70E740481C1C}">
+                <a14:useLocalDpi xmlns:a14="http://schemas.microsoft.com/office/drawing/2010/main" val="0"/>
+              </a:ext>
+            </a:extLst>
+          </a:blip>
+          <a:srcRect/>
+          <a:stretch>
+            <a:fillRect/>
+          </a:stretch>
+        </p:blipFill>
+        <p:spPr bwMode="auto">
+          <a:xfrm>
+            <a:off x="251520" y="260014"/>
+            <a:ext cx="8640960" cy="6337973"/>
+          </a:xfrm>
+          <a:prstGeom prst="rect">
+            <a:avLst/>
+          </a:prstGeom>
+          <a:noFill/>
+          <a:ln>
+            <a:noFill/>
+          </a:ln>
+          <a:effectLst/>
+          <a:extLst>
+            <a:ext uri="{909E8E84-426E-40DD-AFC4-6F175D3DCCD1}">
+              <a14:hiddenFill xmlns:a14="http://schemas.microsoft.com/office/drawing/2010/main">
+                <a:solidFill>
+                  <a:schemeClr val="accent1"/>
+                </a:solidFill>
+              </a14:hiddenFill>
+            </a:ext>
+            <a:ext uri="{91240B29-F687-4F45-9708-019B960494DF}">
+              <a14:hiddenLine xmlns:a14="http://schemas.microsoft.com/office/drawing/2010/main" w="9525">
+                <a:solidFill>
+                  <a:schemeClr val="tx1"/>
+                </a:solidFill>
+                <a:miter lim="800000"/>
+                <a:headEnd/>
+                <a:tailEnd/>
+              </a14:hiddenLine>
+            </a:ext>
+            <a:ext uri="{AF507438-7753-43E0-B8FC-AC1667EBCBE1}">
+              <a14:hiddenEffects xmlns:a14="http://schemas.microsoft.com/office/drawing/2010/main">
+                <a:effectLst>
+                  <a:outerShdw dist="35921" dir="2700000" algn="ctr" rotWithShape="0">
+                    <a:schemeClr val="bg2"/>
+                  </a:outerShdw>
+                </a:effectLst>
+              </a14:hiddenEffects>
+            </a:ext>
+          </a:extLst>
+        </p:spPr>
+      </p:pic>
+    </p:spTree>
+    <p:extLst>
+      <p:ext uri="{BB962C8B-B14F-4D97-AF65-F5344CB8AC3E}">
+        <p14:creationId xmlns:p14="http://schemas.microsoft.com/office/powerpoint/2010/main" val="3382651464"/>
+      </p:ext>
+    </p:extLst>
+  </p:cSld>
+  <p:clrMapOvr>
+    <a:masterClrMapping/>
+  </p:clrMapOvr>
+</p:sld>
+</file>
+
+<file path=ppt/slides/slide8.xml><?xml version="1.0" encoding="utf-8"?>
+<p:sld xmlns:a="http://schemas.openxmlformats.org/drawingml/2006/main" xmlns:r="http://schemas.openxmlformats.org/officeDocument/2006/relationships" xmlns:p="http://schemas.openxmlformats.org/presentationml/2006/main">
+  <p:cSld>
+    <p:spTree>
+      <p:nvGrpSpPr>
+        <p:cNvPr id="1" name=""/>
+        <p:cNvGrpSpPr/>
+        <p:nvPr/>
+      </p:nvGrpSpPr>
+      <p:grpSpPr>
+        <a:xfrm>
+          <a:off x="0" y="0"/>
+          <a:ext cx="0" cy="0"/>
+          <a:chOff x="0" y="0"/>
+          <a:chExt cx="0" cy="0"/>
+        </a:xfrm>
+      </p:grpSpPr>
+      <p:pic>
+        <p:nvPicPr>
+          <p:cNvPr id="3074" name="Picture 2"/>
+          <p:cNvPicPr>
+            <a:picLocks noChangeAspect="1" noChangeArrowheads="1"/>
+          </p:cNvPicPr>
+          <p:nvPr/>
+        </p:nvPicPr>
+        <p:blipFill>
+          <a:blip r:embed="rId2">
+            <a:extLst>
+              <a:ext uri="{28A0092B-C50C-407E-A947-70E740481C1C}">
+                <a14:useLocalDpi xmlns:a14="http://schemas.microsoft.com/office/drawing/2010/main" val="0"/>
+              </a:ext>
+            </a:extLst>
+          </a:blip>
+          <a:srcRect/>
+          <a:stretch>
+            <a:fillRect/>
+          </a:stretch>
+        </p:blipFill>
+        <p:spPr bwMode="auto">
+          <a:xfrm>
+            <a:off x="395536" y="332655"/>
+            <a:ext cx="8352928" cy="6264697"/>
+          </a:xfrm>
+          <a:prstGeom prst="rect">
+            <a:avLst/>
+          </a:prstGeom>
+          <a:noFill/>
+          <a:ln>
+            <a:noFill/>
+          </a:ln>
+          <a:effectLst/>
+          <a:extLst>
+            <a:ext uri="{909E8E84-426E-40DD-AFC4-6F175D3DCCD1}">
+              <a14:hiddenFill xmlns:a14="http://schemas.microsoft.com/office/drawing/2010/main">
+                <a:solidFill>
+                  <a:schemeClr val="accent1"/>
+                </a:solidFill>
+              </a14:hiddenFill>
+            </a:ext>
+            <a:ext uri="{91240B29-F687-4F45-9708-019B960494DF}">
+              <a14:hiddenLine xmlns:a14="http://schemas.microsoft.com/office/drawing/2010/main" w="9525">
+                <a:solidFill>
+                  <a:schemeClr val="tx1"/>
+                </a:solidFill>
+                <a:miter lim="800000"/>
+                <a:headEnd/>
+                <a:tailEnd/>
+              </a14:hiddenLine>
+            </a:ext>
+            <a:ext uri="{AF507438-7753-43E0-B8FC-AC1667EBCBE1}">
+              <a14:hiddenEffects xmlns:a14="http://schemas.microsoft.com/office/drawing/2010/main">
+                <a:effectLst>
+                  <a:outerShdw dist="35921" dir="2700000" algn="ctr" rotWithShape="0">
+                    <a:schemeClr val="bg2"/>
+                  </a:outerShdw>
+                </a:effectLst>
+              </a14:hiddenEffects>
+            </a:ext>
+          </a:extLst>
+        </p:spPr>
+      </p:pic>
+    </p:spTree>
+    <p:extLst>
+      <p:ext uri="{BB962C8B-B14F-4D97-AF65-F5344CB8AC3E}">
+        <p14:creationId xmlns:p14="http://schemas.microsoft.com/office/powerpoint/2010/main" val="3811896706"/>
+      </p:ext>
+    </p:extLst>
+  </p:cSld>
+  <p:clrMapOvr>
+    <a:masterClrMapping/>
+  </p:clrMapOvr>
+</p:sld>
+</file>
+
+<file path=ppt/slides/slide9.xml><?xml version="1.0" encoding="utf-8"?>
+<p:sld xmlns:a="http://schemas.openxmlformats.org/drawingml/2006/main" xmlns:r="http://schemas.openxmlformats.org/officeDocument/2006/relationships" xmlns:p="http://schemas.openxmlformats.org/presentationml/2006/main">
+  <p:cSld>
+    <p:spTree>
+      <p:nvGrpSpPr>
+        <p:cNvPr id="1" name=""/>
+        <p:cNvGrpSpPr/>
+        <p:nvPr/>
+      </p:nvGrpSpPr>
+      <p:grpSpPr>
+        <a:xfrm>
+          <a:off x="0" y="0"/>
+          <a:ext cx="0" cy="0"/>
+          <a:chOff x="0" y="0"/>
+          <a:chExt cx="0" cy="0"/>
+        </a:xfrm>
+      </p:grpSpPr>
+      <p:pic>
+        <p:nvPicPr>
+          <p:cNvPr id="1026" name="Picture 2"/>
+          <p:cNvPicPr>
+            <a:picLocks noChangeAspect="1" noChangeArrowheads="1"/>
+          </p:cNvPicPr>
+          <p:nvPr/>
+        </p:nvPicPr>
+        <p:blipFill>
+          <a:blip r:embed="rId2">
+            <a:extLst>
+              <a:ext uri="{28A0092B-C50C-407E-A947-70E740481C1C}">
+                <a14:useLocalDpi xmlns:a14="http://schemas.microsoft.com/office/drawing/2010/main" val="0"/>
+              </a:ext>
+            </a:extLst>
+          </a:blip>
+          <a:srcRect/>
+          <a:stretch>
+            <a:fillRect/>
+          </a:stretch>
+        </p:blipFill>
+        <p:spPr bwMode="auto">
+          <a:xfrm>
+            <a:off x="1004888" y="0"/>
+            <a:ext cx="7134225" cy="6915150"/>
+          </a:xfrm>
+          <a:prstGeom prst="rect">
+            <a:avLst/>
+          </a:prstGeom>
+          <a:noFill/>
+          <a:ln>
+            <a:noFill/>
+          </a:ln>
+          <a:effectLst/>
+          <a:extLst>
+            <a:ext uri="{909E8E84-426E-40DD-AFC4-6F175D3DCCD1}">
+              <a14:hiddenFill xmlns:a14="http://schemas.microsoft.com/office/drawing/2010/main">
+                <a:solidFill>
+                  <a:schemeClr val="accent1"/>
+                </a:solidFill>
+              </a14:hiddenFill>
+            </a:ext>
+            <a:ext uri="{91240B29-F687-4F45-9708-019B960494DF}">
+              <a14:hiddenLine xmlns:a14="http://schemas.microsoft.com/office/drawing/2010/main" w="9525">
+                <a:solidFill>
+                  <a:schemeClr val="tx1"/>
+                </a:solidFill>
+                <a:miter lim="800000"/>
+                <a:headEnd/>
+                <a:tailEnd/>
+              </a14:hiddenLine>
+            </a:ext>
+            <a:ext uri="{AF507438-7753-43E0-B8FC-AC1667EBCBE1}">
+              <a14:hiddenEffects xmlns:a14="http://schemas.microsoft.com/office/drawing/2010/main">
+                <a:effectLst>
+                  <a:outerShdw dist="35921" dir="2700000" algn="ctr" rotWithShape="0">
+                    <a:schemeClr val="bg2"/>
+                  </a:outerShdw>
+                </a:effectLst>
+              </a14:hiddenEffects>
+            </a:ext>
+          </a:extLst>
+        </p:spPr>
+      </p:pic>
+    </p:spTree>
+    <p:extLst>
+      <p:ext uri="{BB962C8B-B14F-4D97-AF65-F5344CB8AC3E}">
+        <p14:creationId xmlns:p14="http://schemas.microsoft.com/office/powerpoint/2010/main" val="3585740375"/>
       </p:ext>
     </p:extLst>
   </p:cSld>
